--- a/lessons/18_Hibernate/Hibernate.pptx
+++ b/lessons/18_Hibernate/Hibernate.pptx
@@ -255,7 +255,7 @@
             <a:fld id="{67128AFA-2B04-4CF2-A280-3CACFA02DCDA}" type="datetimeFigureOut">
               <a:rPr lang="ru-RU" smtClean="0"/>
               <a:pPr/>
-              <a:t>20.03.2018</a:t>
+              <a:t>22.03.2018</a:t>
             </a:fld>
             <a:endParaRPr lang="ru-RU"/>
           </a:p>
@@ -422,7 +422,7 @@
             <a:fld id="{4AAD82F9-BEBE-4E06-81EB-AA847F9B1290}" type="datetimeFigureOut">
               <a:rPr lang="ru-RU" smtClean="0"/>
               <a:pPr/>
-              <a:t>20.03.2018</a:t>
+              <a:t>22.03.2018</a:t>
             </a:fld>
             <a:endParaRPr lang="ru-RU"/>
           </a:p>
@@ -7636,8 +7636,8 @@
         </p:nvSpPr>
         <p:spPr>
           <a:xfrm>
-            <a:off x="251520" y="771550"/>
-            <a:ext cx="8641472" cy="1728192"/>
+            <a:off x="251520" y="771549"/>
+            <a:ext cx="8641472" cy="2003157"/>
           </a:xfrm>
           <a:prstGeom prst="rect">
             <a:avLst/>
@@ -7645,7 +7645,7 @@
         </p:spPr>
         <p:txBody>
           <a:bodyPr vert="horz" lIns="91440" tIns="45720" rIns="91440" bIns="45720" rtlCol="0">
-            <a:normAutofit/>
+            <a:normAutofit lnSpcReduction="10000"/>
           </a:bodyPr>
           <a:lstStyle>
             <a:lvl1pPr marL="180975" indent="-180975" algn="l" defTabSz="914400" rtl="0" eaLnBrk="1" latinLnBrk="0" hangingPunct="1">
@@ -7863,6 +7863,66 @@
               </a:rPr>
               <a:t>Схему</a:t>
             </a:r>
+            <a:endParaRPr lang="en-US" sz="2000" dirty="0" smtClean="0">
+              <a:solidFill>
+                <a:schemeClr val="tx1"/>
+              </a:solidFill>
+            </a:endParaRPr>
+          </a:p>
+          <a:p>
+            <a:pPr marL="342900" indent="-342900">
+              <a:lnSpc>
+                <a:spcPct val="150000"/>
+              </a:lnSpc>
+              <a:buFont typeface="Arial" pitchFamily="34" charset="0"/>
+              <a:buChar char="•"/>
+            </a:pPr>
+            <a:r>
+              <a:rPr lang="ru-RU" sz="2000" dirty="0" smtClean="0">
+                <a:solidFill>
+                  <a:schemeClr val="tx1"/>
+                </a:solidFill>
+              </a:rPr>
+              <a:t>Индексы</a:t>
+            </a:r>
+            <a:r>
+              <a:rPr lang="en-US" sz="2000" dirty="0" smtClean="0">
+                <a:solidFill>
+                  <a:schemeClr val="tx1"/>
+                </a:solidFill>
+              </a:rPr>
+              <a:t> </a:t>
+            </a:r>
+            <a:r>
+              <a:rPr lang="ru-RU" sz="2000" dirty="0">
+                <a:solidFill>
+                  <a:schemeClr val="tx1"/>
+                </a:solidFill>
+              </a:rPr>
+              <a:t>и </a:t>
+            </a:r>
+            <a:r>
+              <a:rPr lang="ru-RU" sz="2000" dirty="0" smtClean="0">
+                <a:solidFill>
+                  <a:schemeClr val="tx1"/>
+                </a:solidFill>
+              </a:rPr>
+              <a:t>уникальные ограничения</a:t>
+            </a:r>
+            <a:endParaRPr lang="ru-RU" sz="2000" dirty="0">
+              <a:solidFill>
+                <a:schemeClr val="tx1"/>
+              </a:solidFill>
+            </a:endParaRPr>
+          </a:p>
+          <a:p>
+            <a:pPr marL="342900" indent="-342900">
+              <a:lnSpc>
+                <a:spcPct val="150000"/>
+              </a:lnSpc>
+              <a:buFont typeface="Arial" pitchFamily="34" charset="0"/>
+              <a:buChar char="•"/>
+            </a:pPr>
             <a:endParaRPr lang="ru-RU" sz="2000" dirty="0">
               <a:solidFill>
                 <a:schemeClr val="tx1"/>
@@ -7881,7 +7941,7 @@
         </p:nvSpPr>
         <p:spPr bwMode="auto">
           <a:xfrm>
-            <a:off x="229072" y="2774707"/>
+            <a:off x="226293" y="3291830"/>
             <a:ext cx="5705408" cy="877163"/>
           </a:xfrm>
           <a:prstGeom prst="rect">
@@ -10975,7 +11035,39 @@
                   <a:schemeClr val="tx1"/>
                 </a:solidFill>
               </a:rPr>
-              <a:t>Строки, номера, даты</a:t>
+              <a:t>Строки</a:t>
+            </a:r>
+            <a:r>
+              <a:rPr lang="ru-RU" sz="2000" dirty="0">
+                <a:solidFill>
+                  <a:schemeClr val="tx1"/>
+                </a:solidFill>
+              </a:rPr>
+              <a:t> </a:t>
+            </a:r>
+            <a:r>
+              <a:rPr lang="ru-RU" sz="2000" dirty="0" smtClean="0">
+                <a:solidFill>
+                  <a:schemeClr val="tx1"/>
+                </a:solidFill>
+              </a:rPr>
+              <a:t>и</a:t>
+            </a:r>
+            <a:r>
+              <a:rPr lang="ru-RU" sz="2000" dirty="0" smtClean="0">
+                <a:solidFill>
+                  <a:schemeClr val="tx1"/>
+                </a:solidFill>
+              </a:rPr>
+              <a:t> </a:t>
+            </a:r>
+            <a:r>
+              <a:rPr lang="ru-RU" sz="2000" dirty="0" smtClean="0">
+                <a:solidFill>
+                  <a:schemeClr val="tx1"/>
+                </a:solidFill>
+              </a:rPr>
+              <a:t>даты</a:t>
             </a:r>
             <a:endParaRPr lang="ru-RU" sz="2000" dirty="0">
               <a:solidFill>
@@ -11487,8 +11579,49 @@
             </a:r>
             <a:r>
               <a:rPr lang="ru-RU" sz="2000" dirty="0" smtClean="0"/>
-              <a:t>из БД</a:t>
-            </a:r>
+              <a:t>из </a:t>
+            </a:r>
+            <a:r>
+              <a:rPr lang="ru-RU" sz="2000" dirty="0" smtClean="0"/>
+              <a:t>БД</a:t>
+            </a:r>
+            <a:r>
+              <a:rPr lang="en-US" sz="2000" dirty="0"/>
+              <a:t> </a:t>
+            </a:r>
+            <a:r>
+              <a:rPr lang="en-US" sz="2000" dirty="0" smtClean="0"/>
+              <a:t>(</a:t>
+            </a:r>
+            <a:r>
+              <a:rPr lang="en-US" sz="2000" dirty="0" err="1" smtClean="0"/>
+              <a:t>jpa</a:t>
+            </a:r>
+            <a:r>
+              <a:rPr lang="ru-RU" sz="2000" dirty="0" smtClean="0"/>
+              <a:t> </a:t>
+            </a:r>
+            <a:r>
+              <a:rPr lang="en-US" sz="2000" b="1" dirty="0" smtClean="0">
+                <a:solidFill>
+                  <a:srgbClr val="008000"/>
+                </a:solidFill>
+              </a:rPr>
+              <a:t>@</a:t>
+            </a:r>
+            <a:r>
+              <a:rPr lang="en-US" sz="2000" b="1" dirty="0" err="1" smtClean="0">
+                <a:solidFill>
+                  <a:srgbClr val="008000"/>
+                </a:solidFill>
+              </a:rPr>
+              <a:t>SequenceGenerator</a:t>
+            </a:r>
+            <a:r>
+              <a:rPr lang="en-US" sz="2000" dirty="0"/>
+              <a:t>)</a:t>
+            </a:r>
+            <a:endParaRPr lang="ru-RU" sz="2000" dirty="0" smtClean="0"/>
           </a:p>
           <a:p>
             <a:pPr marL="342900" indent="-342900">
@@ -11536,6 +11669,46 @@
                   <a:schemeClr val="tx1"/>
                 </a:solidFill>
               </a:rPr>
+              <a:t>)</a:t>
+            </a:r>
+            <a:r>
+              <a:rPr lang="en-US" sz="2000" dirty="0" smtClean="0">
+                <a:solidFill>
+                  <a:schemeClr val="tx1"/>
+                </a:solidFill>
+              </a:rPr>
+              <a:t> </a:t>
+            </a:r>
+            <a:r>
+              <a:rPr lang="en-US" sz="2000" dirty="0"/>
+              <a:t>(</a:t>
+            </a:r>
+            <a:r>
+              <a:rPr lang="en-US" sz="2000" dirty="0" err="1"/>
+              <a:t>jpa</a:t>
+            </a:r>
+            <a:r>
+              <a:rPr lang="ru-RU" sz="2000" dirty="0"/>
+              <a:t> </a:t>
+            </a:r>
+            <a:r>
+              <a:rPr lang="en-US" sz="2000" b="1" dirty="0">
+                <a:solidFill>
+                  <a:srgbClr val="008000"/>
+                </a:solidFill>
+              </a:rPr>
+              <a:t>@</a:t>
+            </a:r>
+            <a:r>
+              <a:rPr lang="en-US" sz="2000" b="1" dirty="0" err="1">
+                <a:solidFill>
+                  <a:srgbClr val="008000"/>
+                </a:solidFill>
+              </a:rPr>
+              <a:t>TableGenerator</a:t>
+            </a:r>
+            <a:r>
+              <a:rPr lang="en-US" sz="2000" dirty="0" smtClean="0"/>
               <a:t>)</a:t>
             </a:r>
             <a:endParaRPr lang="en-US" sz="2000" dirty="0" smtClean="0">
